--- a/Calibration_image.pptx
+++ b/Calibration_image.pptx
@@ -2,12 +2,13 @@
 <file path=ppt/presentation.xml><?xml version="1.0" encoding="utf-8"?>
 <p:presentation xmlns:a="http://schemas.openxmlformats.org/drawingml/2006/main" xmlns:r="http://schemas.openxmlformats.org/officeDocument/2006/relationships" xmlns:p="http://schemas.openxmlformats.org/presentationml/2006/main" saveSubsetFonts="1">
   <p:sldMasterIdLst>
-    <p:sldMasterId id="2147483660" r:id="rId1"/>
+    <p:sldMasterId id="2147483672" r:id="rId1"/>
   </p:sldMasterIdLst>
   <p:sldIdLst>
     <p:sldId id="256" r:id="rId2"/>
+    <p:sldId id="257" r:id="rId3"/>
   </p:sldIdLst>
-  <p:sldSz cx="29260800" cy="29260800"/>
+  <p:sldSz cx="32918400" cy="32918400"/>
   <p:notesSz cx="6858000" cy="9144000"/>
   <p:defaultTextStyle>
     <a:defPPr>
@@ -104,7 +105,16 @@
       </a:defRPr>
     </a:lvl9pPr>
   </p:defaultTextStyle>
+  <p:extLst>
+    <p:ext uri="{EFAFB233-063F-42B5-8137-9DF3F51BA10A}">
+      <p15:sldGuideLst xmlns:p15="http://schemas.microsoft.com/office/powerpoint/2012/main"/>
+    </p:ext>
+  </p:extLst>
 </p:presentation>
+</file>
+
+<file path=ppt/revisionInfo.xml><?xml version="1.0" encoding="utf-8"?>
+<p1510:revInfo xmlns:a="http://schemas.openxmlformats.org/drawingml/2006/main" xmlns:r="http://schemas.openxmlformats.org/officeDocument/2006/relationships" xmlns:p1510="http://schemas.microsoft.com/office/powerpoint/2015/10/main"/>
 </file>
 
 <file path=ppt/slideLayouts/slideLayout1.xml><?xml version="1.0" encoding="utf-8"?>
@@ -136,15 +146,15 @@
         </p:nvSpPr>
         <p:spPr>
           <a:xfrm>
-            <a:off x="2194560" y="4788749"/>
-            <a:ext cx="24871680" cy="10187093"/>
+            <a:off x="2468880" y="5387342"/>
+            <a:ext cx="27980640" cy="11460480"/>
           </a:xfrm>
         </p:spPr>
         <p:txBody>
           <a:bodyPr anchor="b"/>
           <a:lstStyle>
             <a:lvl1pPr algn="ctr">
-              <a:defRPr sz="19200"/>
+              <a:defRPr sz="21600"/>
             </a:lvl1pPr>
           </a:lstStyle>
           <a:p>
@@ -168,8 +178,8 @@
         </p:nvSpPr>
         <p:spPr>
           <a:xfrm>
-            <a:off x="3657600" y="15368695"/>
-            <a:ext cx="21945600" cy="7064585"/>
+            <a:off x="4114800" y="17289782"/>
+            <a:ext cx="24688800" cy="7947658"/>
           </a:xfrm>
         </p:spPr>
         <p:txBody>
@@ -177,39 +187,39 @@
           <a:lstStyle>
             <a:lvl1pPr marL="0" indent="0" algn="ctr">
               <a:buNone/>
-              <a:defRPr sz="7680"/>
+              <a:defRPr sz="8640"/>
             </a:lvl1pPr>
-            <a:lvl2pPr marL="1463040" indent="0" algn="ctr">
-              <a:buNone/>
-              <a:defRPr sz="6400"/>
+            <a:lvl2pPr marL="1645920" indent="0" algn="ctr">
+              <a:buNone/>
+              <a:defRPr sz="7200"/>
             </a:lvl2pPr>
-            <a:lvl3pPr marL="2926080" indent="0" algn="ctr">
+            <a:lvl3pPr marL="3291840" indent="0" algn="ctr">
+              <a:buNone/>
+              <a:defRPr sz="6480"/>
+            </a:lvl3pPr>
+            <a:lvl4pPr marL="4937760" indent="0" algn="ctr">
               <a:buNone/>
               <a:defRPr sz="5760"/>
-            </a:lvl3pPr>
-            <a:lvl4pPr marL="4389120" indent="0" algn="ctr">
-              <a:buNone/>
-              <a:defRPr sz="5120"/>
             </a:lvl4pPr>
-            <a:lvl5pPr marL="5852160" indent="0" algn="ctr">
-              <a:buNone/>
-              <a:defRPr sz="5120"/>
+            <a:lvl5pPr marL="6583680" indent="0" algn="ctr">
+              <a:buNone/>
+              <a:defRPr sz="5760"/>
             </a:lvl5pPr>
-            <a:lvl6pPr marL="7315200" indent="0" algn="ctr">
-              <a:buNone/>
-              <a:defRPr sz="5120"/>
+            <a:lvl6pPr marL="8229600" indent="0" algn="ctr">
+              <a:buNone/>
+              <a:defRPr sz="5760"/>
             </a:lvl6pPr>
-            <a:lvl7pPr marL="8778240" indent="0" algn="ctr">
-              <a:buNone/>
-              <a:defRPr sz="5120"/>
+            <a:lvl7pPr marL="9875520" indent="0" algn="ctr">
+              <a:buNone/>
+              <a:defRPr sz="5760"/>
             </a:lvl7pPr>
-            <a:lvl8pPr marL="10241280" indent="0" algn="ctr">
-              <a:buNone/>
-              <a:defRPr sz="5120"/>
+            <a:lvl8pPr marL="11521440" indent="0" algn="ctr">
+              <a:buNone/>
+              <a:defRPr sz="5760"/>
             </a:lvl8pPr>
-            <a:lvl9pPr marL="11704320" indent="0" algn="ctr">
-              <a:buNone/>
-              <a:defRPr sz="5120"/>
+            <a:lvl9pPr marL="13167360" indent="0" algn="ctr">
+              <a:buNone/>
+              <a:defRPr sz="5760"/>
             </a:lvl9pPr>
           </a:lstStyle>
           <a:p>
@@ -238,7 +248,7 @@
           <a:p>
             <a:fld id="{087369A9-209F-4DF6-9288-A4FD17034DBE}" type="datetimeFigureOut">
               <a:rPr lang="en-US" smtClean="0"/>
-              <a:t>6/11/2018</a:t>
+              <a:t>8/24/2018</a:t>
             </a:fld>
             <a:endParaRPr lang="en-US"/>
           </a:p>
@@ -289,7 +299,7 @@
     </p:spTree>
     <p:extLst>
       <p:ext uri="{BB962C8B-B14F-4D97-AF65-F5344CB8AC3E}">
-        <p14:creationId xmlns:p14="http://schemas.microsoft.com/office/powerpoint/2010/main" val="4106574425"/>
+        <p14:creationId xmlns:p14="http://schemas.microsoft.com/office/powerpoint/2010/main" val="212670566"/>
       </p:ext>
     </p:extLst>
   </p:cSld>
@@ -408,7 +418,7 @@
           <a:p>
             <a:fld id="{087369A9-209F-4DF6-9288-A4FD17034DBE}" type="datetimeFigureOut">
               <a:rPr lang="en-US" smtClean="0"/>
-              <a:t>6/11/2018</a:t>
+              <a:t>8/24/2018</a:t>
             </a:fld>
             <a:endParaRPr lang="en-US"/>
           </a:p>
@@ -459,7 +469,7 @@
     </p:spTree>
     <p:extLst>
       <p:ext uri="{BB962C8B-B14F-4D97-AF65-F5344CB8AC3E}">
-        <p14:creationId xmlns:p14="http://schemas.microsoft.com/office/powerpoint/2010/main" val="1862415971"/>
+        <p14:creationId xmlns:p14="http://schemas.microsoft.com/office/powerpoint/2010/main" val="3713997348"/>
       </p:ext>
     </p:extLst>
   </p:cSld>
@@ -498,8 +508,8 @@
         </p:nvSpPr>
         <p:spPr>
           <a:xfrm>
-            <a:off x="20939762" y="1557867"/>
-            <a:ext cx="6309360" cy="24797175"/>
+            <a:off x="23557232" y="1752600"/>
+            <a:ext cx="7098030" cy="27896822"/>
           </a:xfrm>
         </p:spPr>
         <p:txBody>
@@ -526,8 +536,8 @@
         </p:nvSpPr>
         <p:spPr>
           <a:xfrm>
-            <a:off x="2011682" y="1557867"/>
-            <a:ext cx="18562320" cy="24797175"/>
+            <a:off x="2263142" y="1752600"/>
+            <a:ext cx="20882610" cy="27896822"/>
           </a:xfrm>
         </p:spPr>
         <p:txBody>
@@ -588,7 +598,7 @@
           <a:p>
             <a:fld id="{087369A9-209F-4DF6-9288-A4FD17034DBE}" type="datetimeFigureOut">
               <a:rPr lang="en-US" smtClean="0"/>
-              <a:t>6/11/2018</a:t>
+              <a:t>8/24/2018</a:t>
             </a:fld>
             <a:endParaRPr lang="en-US"/>
           </a:p>
@@ -639,7 +649,7 @@
     </p:spTree>
     <p:extLst>
       <p:ext uri="{BB962C8B-B14F-4D97-AF65-F5344CB8AC3E}">
-        <p14:creationId xmlns:p14="http://schemas.microsoft.com/office/powerpoint/2010/main" val="2613214330"/>
+        <p14:creationId xmlns:p14="http://schemas.microsoft.com/office/powerpoint/2010/main" val="1115612346"/>
       </p:ext>
     </p:extLst>
   </p:cSld>
@@ -758,7 +768,7 @@
           <a:p>
             <a:fld id="{087369A9-209F-4DF6-9288-A4FD17034DBE}" type="datetimeFigureOut">
               <a:rPr lang="en-US" smtClean="0"/>
-              <a:t>6/11/2018</a:t>
+              <a:t>8/24/2018</a:t>
             </a:fld>
             <a:endParaRPr lang="en-US"/>
           </a:p>
@@ -809,7 +819,7 @@
     </p:spTree>
     <p:extLst>
       <p:ext uri="{BB962C8B-B14F-4D97-AF65-F5344CB8AC3E}">
-        <p14:creationId xmlns:p14="http://schemas.microsoft.com/office/powerpoint/2010/main" val="1533954290"/>
+        <p14:creationId xmlns:p14="http://schemas.microsoft.com/office/powerpoint/2010/main" val="3148739005"/>
       </p:ext>
     </p:extLst>
   </p:cSld>
@@ -848,15 +858,15 @@
         </p:nvSpPr>
         <p:spPr>
           <a:xfrm>
-            <a:off x="1996442" y="7294888"/>
-            <a:ext cx="25237440" cy="12171678"/>
+            <a:off x="2245997" y="8206749"/>
+            <a:ext cx="28392120" cy="13693138"/>
           </a:xfrm>
         </p:spPr>
         <p:txBody>
           <a:bodyPr anchor="b"/>
           <a:lstStyle>
             <a:lvl1pPr>
-              <a:defRPr sz="19200"/>
+              <a:defRPr sz="21600"/>
             </a:lvl1pPr>
           </a:lstStyle>
           <a:p>
@@ -880,8 +890,8 @@
         </p:nvSpPr>
         <p:spPr>
           <a:xfrm>
-            <a:off x="1996442" y="19581715"/>
-            <a:ext cx="25237440" cy="6400798"/>
+            <a:off x="2245997" y="22029429"/>
+            <a:ext cx="28392120" cy="7200898"/>
           </a:xfrm>
         </p:spPr>
         <p:txBody>
@@ -889,15 +899,15 @@
           <a:lstStyle>
             <a:lvl1pPr marL="0" indent="0">
               <a:buNone/>
-              <a:defRPr sz="7680">
+              <a:defRPr sz="8640">
                 <a:solidFill>
                   <a:schemeClr val="tx1"/>
                 </a:solidFill>
               </a:defRPr>
             </a:lvl1pPr>
-            <a:lvl2pPr marL="1463040" indent="0">
-              <a:buNone/>
-              <a:defRPr sz="6400">
+            <a:lvl2pPr marL="1645920" indent="0">
+              <a:buNone/>
+              <a:defRPr sz="7200">
                 <a:solidFill>
                   <a:schemeClr val="tx1">
                     <a:tint val="75000"/>
@@ -905,7 +915,17 @@
                 </a:solidFill>
               </a:defRPr>
             </a:lvl2pPr>
-            <a:lvl3pPr marL="2926080" indent="0">
+            <a:lvl3pPr marL="3291840" indent="0">
+              <a:buNone/>
+              <a:defRPr sz="6480">
+                <a:solidFill>
+                  <a:schemeClr val="tx1">
+                    <a:tint val="75000"/>
+                  </a:schemeClr>
+                </a:solidFill>
+              </a:defRPr>
+            </a:lvl3pPr>
+            <a:lvl4pPr marL="4937760" indent="0">
               <a:buNone/>
               <a:defRPr sz="5760">
                 <a:solidFill>
@@ -914,20 +934,10 @@
                   </a:schemeClr>
                 </a:solidFill>
               </a:defRPr>
-            </a:lvl3pPr>
-            <a:lvl4pPr marL="4389120" indent="0">
-              <a:buNone/>
-              <a:defRPr sz="5120">
-                <a:solidFill>
-                  <a:schemeClr val="tx1">
-                    <a:tint val="75000"/>
-                  </a:schemeClr>
-                </a:solidFill>
-              </a:defRPr>
             </a:lvl4pPr>
-            <a:lvl5pPr marL="5852160" indent="0">
-              <a:buNone/>
-              <a:defRPr sz="5120">
+            <a:lvl5pPr marL="6583680" indent="0">
+              <a:buNone/>
+              <a:defRPr sz="5760">
                 <a:solidFill>
                   <a:schemeClr val="tx1">
                     <a:tint val="75000"/>
@@ -935,9 +945,9 @@
                 </a:solidFill>
               </a:defRPr>
             </a:lvl5pPr>
-            <a:lvl6pPr marL="7315200" indent="0">
-              <a:buNone/>
-              <a:defRPr sz="5120">
+            <a:lvl6pPr marL="8229600" indent="0">
+              <a:buNone/>
+              <a:defRPr sz="5760">
                 <a:solidFill>
                   <a:schemeClr val="tx1">
                     <a:tint val="75000"/>
@@ -945,9 +955,9 @@
                 </a:solidFill>
               </a:defRPr>
             </a:lvl6pPr>
-            <a:lvl7pPr marL="8778240" indent="0">
-              <a:buNone/>
-              <a:defRPr sz="5120">
+            <a:lvl7pPr marL="9875520" indent="0">
+              <a:buNone/>
+              <a:defRPr sz="5760">
                 <a:solidFill>
                   <a:schemeClr val="tx1">
                     <a:tint val="75000"/>
@@ -955,9 +965,9 @@
                 </a:solidFill>
               </a:defRPr>
             </a:lvl7pPr>
-            <a:lvl8pPr marL="10241280" indent="0">
-              <a:buNone/>
-              <a:defRPr sz="5120">
+            <a:lvl8pPr marL="11521440" indent="0">
+              <a:buNone/>
+              <a:defRPr sz="5760">
                 <a:solidFill>
                   <a:schemeClr val="tx1">
                     <a:tint val="75000"/>
@@ -965,9 +975,9 @@
                 </a:solidFill>
               </a:defRPr>
             </a:lvl8pPr>
-            <a:lvl9pPr marL="11704320" indent="0">
-              <a:buNone/>
-              <a:defRPr sz="5120">
+            <a:lvl9pPr marL="13167360" indent="0">
+              <a:buNone/>
+              <a:defRPr sz="5760">
                 <a:solidFill>
                   <a:schemeClr val="tx1">
                     <a:tint val="75000"/>
@@ -1002,7 +1012,7 @@
           <a:p>
             <a:fld id="{087369A9-209F-4DF6-9288-A4FD17034DBE}" type="datetimeFigureOut">
               <a:rPr lang="en-US" smtClean="0"/>
-              <a:t>6/11/2018</a:t>
+              <a:t>8/24/2018</a:t>
             </a:fld>
             <a:endParaRPr lang="en-US"/>
           </a:p>
@@ -1053,7 +1063,7 @@
     </p:spTree>
     <p:extLst>
       <p:ext uri="{BB962C8B-B14F-4D97-AF65-F5344CB8AC3E}">
-        <p14:creationId xmlns:p14="http://schemas.microsoft.com/office/powerpoint/2010/main" val="778596750"/>
+        <p14:creationId xmlns:p14="http://schemas.microsoft.com/office/powerpoint/2010/main" val="68512961"/>
       </p:ext>
     </p:extLst>
   </p:cSld>
@@ -1115,8 +1125,8 @@
         </p:nvSpPr>
         <p:spPr>
           <a:xfrm>
-            <a:off x="2011680" y="7789333"/>
-            <a:ext cx="12435840" cy="18565709"/>
+            <a:off x="2263140" y="8763000"/>
+            <a:ext cx="13990320" cy="20886422"/>
           </a:xfrm>
         </p:spPr>
         <p:txBody>
@@ -1172,8 +1182,8 @@
         </p:nvSpPr>
         <p:spPr>
           <a:xfrm>
-            <a:off x="14813280" y="7789333"/>
-            <a:ext cx="12435840" cy="18565709"/>
+            <a:off x="16664940" y="8763000"/>
+            <a:ext cx="13990320" cy="20886422"/>
           </a:xfrm>
         </p:spPr>
         <p:txBody>
@@ -1234,7 +1244,7 @@
           <a:p>
             <a:fld id="{087369A9-209F-4DF6-9288-A4FD17034DBE}" type="datetimeFigureOut">
               <a:rPr lang="en-US" smtClean="0"/>
-              <a:t>6/11/2018</a:t>
+              <a:t>8/24/2018</a:t>
             </a:fld>
             <a:endParaRPr lang="en-US"/>
           </a:p>
@@ -1285,7 +1295,7 @@
     </p:spTree>
     <p:extLst>
       <p:ext uri="{BB962C8B-B14F-4D97-AF65-F5344CB8AC3E}">
-        <p14:creationId xmlns:p14="http://schemas.microsoft.com/office/powerpoint/2010/main" val="4205109340"/>
+        <p14:creationId xmlns:p14="http://schemas.microsoft.com/office/powerpoint/2010/main" val="1844123834"/>
       </p:ext>
     </p:extLst>
   </p:cSld>
@@ -1324,8 +1334,8 @@
         </p:nvSpPr>
         <p:spPr>
           <a:xfrm>
-            <a:off x="2015491" y="1557873"/>
-            <a:ext cx="25237440" cy="5655735"/>
+            <a:off x="2267428" y="1752607"/>
+            <a:ext cx="28392120" cy="6362702"/>
           </a:xfrm>
         </p:spPr>
         <p:txBody>
@@ -1352,8 +1362,8 @@
         </p:nvSpPr>
         <p:spPr>
           <a:xfrm>
-            <a:off x="2015494" y="7172962"/>
-            <a:ext cx="12378688" cy="3515358"/>
+            <a:off x="2267431" y="8069582"/>
+            <a:ext cx="13926024" cy="3954778"/>
           </a:xfrm>
         </p:spPr>
         <p:txBody>
@@ -1361,39 +1371,39 @@
           <a:lstStyle>
             <a:lvl1pPr marL="0" indent="0">
               <a:buNone/>
-              <a:defRPr sz="7680" b="1"/>
+              <a:defRPr sz="8640" b="1"/>
             </a:lvl1pPr>
-            <a:lvl2pPr marL="1463040" indent="0">
-              <a:buNone/>
-              <a:defRPr sz="6400" b="1"/>
+            <a:lvl2pPr marL="1645920" indent="0">
+              <a:buNone/>
+              <a:defRPr sz="7200" b="1"/>
             </a:lvl2pPr>
-            <a:lvl3pPr marL="2926080" indent="0">
+            <a:lvl3pPr marL="3291840" indent="0">
+              <a:buNone/>
+              <a:defRPr sz="6480" b="1"/>
+            </a:lvl3pPr>
+            <a:lvl4pPr marL="4937760" indent="0">
               <a:buNone/>
               <a:defRPr sz="5760" b="1"/>
-            </a:lvl3pPr>
-            <a:lvl4pPr marL="4389120" indent="0">
-              <a:buNone/>
-              <a:defRPr sz="5120" b="1"/>
             </a:lvl4pPr>
-            <a:lvl5pPr marL="5852160" indent="0">
-              <a:buNone/>
-              <a:defRPr sz="5120" b="1"/>
+            <a:lvl5pPr marL="6583680" indent="0">
+              <a:buNone/>
+              <a:defRPr sz="5760" b="1"/>
             </a:lvl5pPr>
-            <a:lvl6pPr marL="7315200" indent="0">
-              <a:buNone/>
-              <a:defRPr sz="5120" b="1"/>
+            <a:lvl6pPr marL="8229600" indent="0">
+              <a:buNone/>
+              <a:defRPr sz="5760" b="1"/>
             </a:lvl6pPr>
-            <a:lvl7pPr marL="8778240" indent="0">
-              <a:buNone/>
-              <a:defRPr sz="5120" b="1"/>
+            <a:lvl7pPr marL="9875520" indent="0">
+              <a:buNone/>
+              <a:defRPr sz="5760" b="1"/>
             </a:lvl7pPr>
-            <a:lvl8pPr marL="10241280" indent="0">
-              <a:buNone/>
-              <a:defRPr sz="5120" b="1"/>
+            <a:lvl8pPr marL="11521440" indent="0">
+              <a:buNone/>
+              <a:defRPr sz="5760" b="1"/>
             </a:lvl8pPr>
-            <a:lvl9pPr marL="11704320" indent="0">
-              <a:buNone/>
-              <a:defRPr sz="5120" b="1"/>
+            <a:lvl9pPr marL="13167360" indent="0">
+              <a:buNone/>
+              <a:defRPr sz="5760" b="1"/>
             </a:lvl9pPr>
           </a:lstStyle>
           <a:p>
@@ -1417,8 +1427,8 @@
         </p:nvSpPr>
         <p:spPr>
           <a:xfrm>
-            <a:off x="2015494" y="10688320"/>
-            <a:ext cx="12378688" cy="15720909"/>
+            <a:off x="2267431" y="12024360"/>
+            <a:ext cx="13926024" cy="17686022"/>
           </a:xfrm>
         </p:spPr>
         <p:txBody>
@@ -1474,8 +1484,8 @@
         </p:nvSpPr>
         <p:spPr>
           <a:xfrm>
-            <a:off x="14813282" y="7172962"/>
-            <a:ext cx="12439651" cy="3515358"/>
+            <a:off x="16664942" y="8069582"/>
+            <a:ext cx="13994608" cy="3954778"/>
           </a:xfrm>
         </p:spPr>
         <p:txBody>
@@ -1483,39 +1493,39 @@
           <a:lstStyle>
             <a:lvl1pPr marL="0" indent="0">
               <a:buNone/>
-              <a:defRPr sz="7680" b="1"/>
+              <a:defRPr sz="8640" b="1"/>
             </a:lvl1pPr>
-            <a:lvl2pPr marL="1463040" indent="0">
-              <a:buNone/>
-              <a:defRPr sz="6400" b="1"/>
+            <a:lvl2pPr marL="1645920" indent="0">
+              <a:buNone/>
+              <a:defRPr sz="7200" b="1"/>
             </a:lvl2pPr>
-            <a:lvl3pPr marL="2926080" indent="0">
+            <a:lvl3pPr marL="3291840" indent="0">
+              <a:buNone/>
+              <a:defRPr sz="6480" b="1"/>
+            </a:lvl3pPr>
+            <a:lvl4pPr marL="4937760" indent="0">
               <a:buNone/>
               <a:defRPr sz="5760" b="1"/>
-            </a:lvl3pPr>
-            <a:lvl4pPr marL="4389120" indent="0">
-              <a:buNone/>
-              <a:defRPr sz="5120" b="1"/>
             </a:lvl4pPr>
-            <a:lvl5pPr marL="5852160" indent="0">
-              <a:buNone/>
-              <a:defRPr sz="5120" b="1"/>
+            <a:lvl5pPr marL="6583680" indent="0">
+              <a:buNone/>
+              <a:defRPr sz="5760" b="1"/>
             </a:lvl5pPr>
-            <a:lvl6pPr marL="7315200" indent="0">
-              <a:buNone/>
-              <a:defRPr sz="5120" b="1"/>
+            <a:lvl6pPr marL="8229600" indent="0">
+              <a:buNone/>
+              <a:defRPr sz="5760" b="1"/>
             </a:lvl6pPr>
-            <a:lvl7pPr marL="8778240" indent="0">
-              <a:buNone/>
-              <a:defRPr sz="5120" b="1"/>
+            <a:lvl7pPr marL="9875520" indent="0">
+              <a:buNone/>
+              <a:defRPr sz="5760" b="1"/>
             </a:lvl7pPr>
-            <a:lvl8pPr marL="10241280" indent="0">
-              <a:buNone/>
-              <a:defRPr sz="5120" b="1"/>
+            <a:lvl8pPr marL="11521440" indent="0">
+              <a:buNone/>
+              <a:defRPr sz="5760" b="1"/>
             </a:lvl8pPr>
-            <a:lvl9pPr marL="11704320" indent="0">
-              <a:buNone/>
-              <a:defRPr sz="5120" b="1"/>
+            <a:lvl9pPr marL="13167360" indent="0">
+              <a:buNone/>
+              <a:defRPr sz="5760" b="1"/>
             </a:lvl9pPr>
           </a:lstStyle>
           <a:p>
@@ -1539,8 +1549,8 @@
         </p:nvSpPr>
         <p:spPr>
           <a:xfrm>
-            <a:off x="14813282" y="10688320"/>
-            <a:ext cx="12439651" cy="15720909"/>
+            <a:off x="16664942" y="12024360"/>
+            <a:ext cx="13994608" cy="17686022"/>
           </a:xfrm>
         </p:spPr>
         <p:txBody>
@@ -1601,7 +1611,7 @@
           <a:p>
             <a:fld id="{087369A9-209F-4DF6-9288-A4FD17034DBE}" type="datetimeFigureOut">
               <a:rPr lang="en-US" smtClean="0"/>
-              <a:t>6/11/2018</a:t>
+              <a:t>8/24/2018</a:t>
             </a:fld>
             <a:endParaRPr lang="en-US"/>
           </a:p>
@@ -1652,7 +1662,7 @@
     </p:spTree>
     <p:extLst>
       <p:ext uri="{BB962C8B-B14F-4D97-AF65-F5344CB8AC3E}">
-        <p14:creationId xmlns:p14="http://schemas.microsoft.com/office/powerpoint/2010/main" val="765275327"/>
+        <p14:creationId xmlns:p14="http://schemas.microsoft.com/office/powerpoint/2010/main" val="3761609788"/>
       </p:ext>
     </p:extLst>
   </p:cSld>
@@ -1719,7 +1729,7 @@
           <a:p>
             <a:fld id="{087369A9-209F-4DF6-9288-A4FD17034DBE}" type="datetimeFigureOut">
               <a:rPr lang="en-US" smtClean="0"/>
-              <a:t>6/11/2018</a:t>
+              <a:t>8/24/2018</a:t>
             </a:fld>
             <a:endParaRPr lang="en-US"/>
           </a:p>
@@ -1770,7 +1780,7 @@
     </p:spTree>
     <p:extLst>
       <p:ext uri="{BB962C8B-B14F-4D97-AF65-F5344CB8AC3E}">
-        <p14:creationId xmlns:p14="http://schemas.microsoft.com/office/powerpoint/2010/main" val="163155194"/>
+        <p14:creationId xmlns:p14="http://schemas.microsoft.com/office/powerpoint/2010/main" val="4003053486"/>
       </p:ext>
     </p:extLst>
   </p:cSld>
@@ -1814,7 +1824,7 @@
           <a:p>
             <a:fld id="{087369A9-209F-4DF6-9288-A4FD17034DBE}" type="datetimeFigureOut">
               <a:rPr lang="en-US" smtClean="0"/>
-              <a:t>6/11/2018</a:t>
+              <a:t>8/24/2018</a:t>
             </a:fld>
             <a:endParaRPr lang="en-US"/>
           </a:p>
@@ -1865,7 +1875,7 @@
     </p:spTree>
     <p:extLst>
       <p:ext uri="{BB962C8B-B14F-4D97-AF65-F5344CB8AC3E}">
-        <p14:creationId xmlns:p14="http://schemas.microsoft.com/office/powerpoint/2010/main" val="2358868323"/>
+        <p14:creationId xmlns:p14="http://schemas.microsoft.com/office/powerpoint/2010/main" val="3495289946"/>
       </p:ext>
     </p:extLst>
   </p:cSld>
@@ -1904,15 +1914,15 @@
         </p:nvSpPr>
         <p:spPr>
           <a:xfrm>
-            <a:off x="2015491" y="1950720"/>
-            <a:ext cx="9437370" cy="6827520"/>
+            <a:off x="2267428" y="2194560"/>
+            <a:ext cx="10617041" cy="7680960"/>
           </a:xfrm>
         </p:spPr>
         <p:txBody>
           <a:bodyPr anchor="b"/>
           <a:lstStyle>
             <a:lvl1pPr>
-              <a:defRPr sz="10240"/>
+              <a:defRPr sz="11520"/>
             </a:lvl1pPr>
           </a:lstStyle>
           <a:p>
@@ -1936,39 +1946,39 @@
         </p:nvSpPr>
         <p:spPr>
           <a:xfrm>
-            <a:off x="12439651" y="4213020"/>
-            <a:ext cx="14813280" cy="20794133"/>
+            <a:off x="13994608" y="4739647"/>
+            <a:ext cx="16664940" cy="23393400"/>
           </a:xfrm>
         </p:spPr>
         <p:txBody>
           <a:bodyPr/>
           <a:lstStyle>
             <a:lvl1pPr>
-              <a:defRPr sz="10240"/>
+              <a:defRPr sz="11520"/>
             </a:lvl1pPr>
             <a:lvl2pPr>
-              <a:defRPr sz="8960"/>
+              <a:defRPr sz="10080"/>
             </a:lvl2pPr>
             <a:lvl3pPr>
-              <a:defRPr sz="7680"/>
+              <a:defRPr sz="8640"/>
             </a:lvl3pPr>
             <a:lvl4pPr>
-              <a:defRPr sz="6400"/>
+              <a:defRPr sz="7200"/>
             </a:lvl4pPr>
             <a:lvl5pPr>
-              <a:defRPr sz="6400"/>
+              <a:defRPr sz="7200"/>
             </a:lvl5pPr>
             <a:lvl6pPr>
-              <a:defRPr sz="6400"/>
+              <a:defRPr sz="7200"/>
             </a:lvl6pPr>
             <a:lvl7pPr>
-              <a:defRPr sz="6400"/>
+              <a:defRPr sz="7200"/>
             </a:lvl7pPr>
             <a:lvl8pPr>
-              <a:defRPr sz="6400"/>
+              <a:defRPr sz="7200"/>
             </a:lvl8pPr>
             <a:lvl9pPr>
-              <a:defRPr sz="6400"/>
+              <a:defRPr sz="7200"/>
             </a:lvl9pPr>
           </a:lstStyle>
           <a:p>
@@ -2021,8 +2031,8 @@
         </p:nvSpPr>
         <p:spPr>
           <a:xfrm>
-            <a:off x="2015491" y="8778240"/>
-            <a:ext cx="9437370" cy="16262775"/>
+            <a:off x="2267428" y="9875520"/>
+            <a:ext cx="10617041" cy="18295622"/>
           </a:xfrm>
         </p:spPr>
         <p:txBody>
@@ -2030,39 +2040,39 @@
           <a:lstStyle>
             <a:lvl1pPr marL="0" indent="0">
               <a:buNone/>
-              <a:defRPr sz="5120"/>
+              <a:defRPr sz="5760"/>
             </a:lvl1pPr>
-            <a:lvl2pPr marL="1463040" indent="0">
-              <a:buNone/>
-              <a:defRPr sz="4480"/>
+            <a:lvl2pPr marL="1645920" indent="0">
+              <a:buNone/>
+              <a:defRPr sz="5040"/>
             </a:lvl2pPr>
-            <a:lvl3pPr marL="2926080" indent="0">
-              <a:buNone/>
-              <a:defRPr sz="3840"/>
+            <a:lvl3pPr marL="3291840" indent="0">
+              <a:buNone/>
+              <a:defRPr sz="4320"/>
             </a:lvl3pPr>
-            <a:lvl4pPr marL="4389120" indent="0">
-              <a:buNone/>
-              <a:defRPr sz="3200"/>
+            <a:lvl4pPr marL="4937760" indent="0">
+              <a:buNone/>
+              <a:defRPr sz="3600"/>
             </a:lvl4pPr>
-            <a:lvl5pPr marL="5852160" indent="0">
-              <a:buNone/>
-              <a:defRPr sz="3200"/>
+            <a:lvl5pPr marL="6583680" indent="0">
+              <a:buNone/>
+              <a:defRPr sz="3600"/>
             </a:lvl5pPr>
-            <a:lvl6pPr marL="7315200" indent="0">
-              <a:buNone/>
-              <a:defRPr sz="3200"/>
+            <a:lvl6pPr marL="8229600" indent="0">
+              <a:buNone/>
+              <a:defRPr sz="3600"/>
             </a:lvl6pPr>
-            <a:lvl7pPr marL="8778240" indent="0">
-              <a:buNone/>
-              <a:defRPr sz="3200"/>
+            <a:lvl7pPr marL="9875520" indent="0">
+              <a:buNone/>
+              <a:defRPr sz="3600"/>
             </a:lvl7pPr>
-            <a:lvl8pPr marL="10241280" indent="0">
-              <a:buNone/>
-              <a:defRPr sz="3200"/>
+            <a:lvl8pPr marL="11521440" indent="0">
+              <a:buNone/>
+              <a:defRPr sz="3600"/>
             </a:lvl8pPr>
-            <a:lvl9pPr marL="11704320" indent="0">
-              <a:buNone/>
-              <a:defRPr sz="3200"/>
+            <a:lvl9pPr marL="13167360" indent="0">
+              <a:buNone/>
+              <a:defRPr sz="3600"/>
             </a:lvl9pPr>
           </a:lstStyle>
           <a:p>
@@ -2091,7 +2101,7 @@
           <a:p>
             <a:fld id="{087369A9-209F-4DF6-9288-A4FD17034DBE}" type="datetimeFigureOut">
               <a:rPr lang="en-US" smtClean="0"/>
-              <a:t>6/11/2018</a:t>
+              <a:t>8/24/2018</a:t>
             </a:fld>
             <a:endParaRPr lang="en-US"/>
           </a:p>
@@ -2142,7 +2152,7 @@
     </p:spTree>
     <p:extLst>
       <p:ext uri="{BB962C8B-B14F-4D97-AF65-F5344CB8AC3E}">
-        <p14:creationId xmlns:p14="http://schemas.microsoft.com/office/powerpoint/2010/main" val="4138186247"/>
+        <p14:creationId xmlns:p14="http://schemas.microsoft.com/office/powerpoint/2010/main" val="328748604"/>
       </p:ext>
     </p:extLst>
   </p:cSld>
@@ -2181,15 +2191,15 @@
         </p:nvSpPr>
         <p:spPr>
           <a:xfrm>
-            <a:off x="2015491" y="1950720"/>
-            <a:ext cx="9437370" cy="6827520"/>
+            <a:off x="2267428" y="2194560"/>
+            <a:ext cx="10617041" cy="7680960"/>
           </a:xfrm>
         </p:spPr>
         <p:txBody>
           <a:bodyPr anchor="b"/>
           <a:lstStyle>
             <a:lvl1pPr>
-              <a:defRPr sz="10240"/>
+              <a:defRPr sz="11520"/>
             </a:lvl1pPr>
           </a:lstStyle>
           <a:p>
@@ -2213,8 +2223,8 @@
         </p:nvSpPr>
         <p:spPr>
           <a:xfrm>
-            <a:off x="12439651" y="4213020"/>
-            <a:ext cx="14813280" cy="20794133"/>
+            <a:off x="13994608" y="4739647"/>
+            <a:ext cx="16664940" cy="23393400"/>
           </a:xfrm>
         </p:spPr>
         <p:txBody>
@@ -2222,39 +2232,39 @@
           <a:lstStyle>
             <a:lvl1pPr marL="0" indent="0">
               <a:buNone/>
-              <a:defRPr sz="10240"/>
+              <a:defRPr sz="11520"/>
             </a:lvl1pPr>
-            <a:lvl2pPr marL="1463040" indent="0">
-              <a:buNone/>
-              <a:defRPr sz="8960"/>
+            <a:lvl2pPr marL="1645920" indent="0">
+              <a:buNone/>
+              <a:defRPr sz="10080"/>
             </a:lvl2pPr>
-            <a:lvl3pPr marL="2926080" indent="0">
-              <a:buNone/>
-              <a:defRPr sz="7680"/>
+            <a:lvl3pPr marL="3291840" indent="0">
+              <a:buNone/>
+              <a:defRPr sz="8640"/>
             </a:lvl3pPr>
-            <a:lvl4pPr marL="4389120" indent="0">
-              <a:buNone/>
-              <a:defRPr sz="6400"/>
+            <a:lvl4pPr marL="4937760" indent="0">
+              <a:buNone/>
+              <a:defRPr sz="7200"/>
             </a:lvl4pPr>
-            <a:lvl5pPr marL="5852160" indent="0">
-              <a:buNone/>
-              <a:defRPr sz="6400"/>
+            <a:lvl5pPr marL="6583680" indent="0">
+              <a:buNone/>
+              <a:defRPr sz="7200"/>
             </a:lvl5pPr>
-            <a:lvl6pPr marL="7315200" indent="0">
-              <a:buNone/>
-              <a:defRPr sz="6400"/>
+            <a:lvl6pPr marL="8229600" indent="0">
+              <a:buNone/>
+              <a:defRPr sz="7200"/>
             </a:lvl6pPr>
-            <a:lvl7pPr marL="8778240" indent="0">
-              <a:buNone/>
-              <a:defRPr sz="6400"/>
+            <a:lvl7pPr marL="9875520" indent="0">
+              <a:buNone/>
+              <a:defRPr sz="7200"/>
             </a:lvl7pPr>
-            <a:lvl8pPr marL="10241280" indent="0">
-              <a:buNone/>
-              <a:defRPr sz="6400"/>
+            <a:lvl8pPr marL="11521440" indent="0">
+              <a:buNone/>
+              <a:defRPr sz="7200"/>
             </a:lvl8pPr>
-            <a:lvl9pPr marL="11704320" indent="0">
-              <a:buNone/>
-              <a:defRPr sz="6400"/>
+            <a:lvl9pPr marL="13167360" indent="0">
+              <a:buNone/>
+              <a:defRPr sz="7200"/>
             </a:lvl9pPr>
           </a:lstStyle>
           <a:p>
@@ -2278,8 +2288,8 @@
         </p:nvSpPr>
         <p:spPr>
           <a:xfrm>
-            <a:off x="2015491" y="8778240"/>
-            <a:ext cx="9437370" cy="16262775"/>
+            <a:off x="2267428" y="9875520"/>
+            <a:ext cx="10617041" cy="18295622"/>
           </a:xfrm>
         </p:spPr>
         <p:txBody>
@@ -2287,39 +2297,39 @@
           <a:lstStyle>
             <a:lvl1pPr marL="0" indent="0">
               <a:buNone/>
-              <a:defRPr sz="5120"/>
+              <a:defRPr sz="5760"/>
             </a:lvl1pPr>
-            <a:lvl2pPr marL="1463040" indent="0">
-              <a:buNone/>
-              <a:defRPr sz="4480"/>
+            <a:lvl2pPr marL="1645920" indent="0">
+              <a:buNone/>
+              <a:defRPr sz="5040"/>
             </a:lvl2pPr>
-            <a:lvl3pPr marL="2926080" indent="0">
-              <a:buNone/>
-              <a:defRPr sz="3840"/>
+            <a:lvl3pPr marL="3291840" indent="0">
+              <a:buNone/>
+              <a:defRPr sz="4320"/>
             </a:lvl3pPr>
-            <a:lvl4pPr marL="4389120" indent="0">
-              <a:buNone/>
-              <a:defRPr sz="3200"/>
+            <a:lvl4pPr marL="4937760" indent="0">
+              <a:buNone/>
+              <a:defRPr sz="3600"/>
             </a:lvl4pPr>
-            <a:lvl5pPr marL="5852160" indent="0">
-              <a:buNone/>
-              <a:defRPr sz="3200"/>
+            <a:lvl5pPr marL="6583680" indent="0">
+              <a:buNone/>
+              <a:defRPr sz="3600"/>
             </a:lvl5pPr>
-            <a:lvl6pPr marL="7315200" indent="0">
-              <a:buNone/>
-              <a:defRPr sz="3200"/>
+            <a:lvl6pPr marL="8229600" indent="0">
+              <a:buNone/>
+              <a:defRPr sz="3600"/>
             </a:lvl6pPr>
-            <a:lvl7pPr marL="8778240" indent="0">
-              <a:buNone/>
-              <a:defRPr sz="3200"/>
+            <a:lvl7pPr marL="9875520" indent="0">
+              <a:buNone/>
+              <a:defRPr sz="3600"/>
             </a:lvl7pPr>
-            <a:lvl8pPr marL="10241280" indent="0">
-              <a:buNone/>
-              <a:defRPr sz="3200"/>
+            <a:lvl8pPr marL="11521440" indent="0">
+              <a:buNone/>
+              <a:defRPr sz="3600"/>
             </a:lvl8pPr>
-            <a:lvl9pPr marL="11704320" indent="0">
-              <a:buNone/>
-              <a:defRPr sz="3200"/>
+            <a:lvl9pPr marL="13167360" indent="0">
+              <a:buNone/>
+              <a:defRPr sz="3600"/>
             </a:lvl9pPr>
           </a:lstStyle>
           <a:p>
@@ -2348,7 +2358,7 @@
           <a:p>
             <a:fld id="{087369A9-209F-4DF6-9288-A4FD17034DBE}" type="datetimeFigureOut">
               <a:rPr lang="en-US" smtClean="0"/>
-              <a:t>6/11/2018</a:t>
+              <a:t>8/24/2018</a:t>
             </a:fld>
             <a:endParaRPr lang="en-US"/>
           </a:p>
@@ -2399,7 +2409,7 @@
     </p:spTree>
     <p:extLst>
       <p:ext uri="{BB962C8B-B14F-4D97-AF65-F5344CB8AC3E}">
-        <p14:creationId xmlns:p14="http://schemas.microsoft.com/office/powerpoint/2010/main" val="2331844403"/>
+        <p14:creationId xmlns:p14="http://schemas.microsoft.com/office/powerpoint/2010/main" val="664612184"/>
       </p:ext>
     </p:extLst>
   </p:cSld>
@@ -2443,8 +2453,8 @@
         </p:nvSpPr>
         <p:spPr>
           <a:xfrm>
-            <a:off x="2011680" y="1557873"/>
-            <a:ext cx="25237440" cy="5655735"/>
+            <a:off x="2263140" y="1752607"/>
+            <a:ext cx="28392120" cy="6362702"/>
           </a:xfrm>
           <a:prstGeom prst="rect">
             <a:avLst/>
@@ -2476,8 +2486,8 @@
         </p:nvSpPr>
         <p:spPr>
           <a:xfrm>
-            <a:off x="2011680" y="7789333"/>
-            <a:ext cx="25237440" cy="18565709"/>
+            <a:off x="2263140" y="8763000"/>
+            <a:ext cx="28392120" cy="20886422"/>
           </a:xfrm>
           <a:prstGeom prst="rect">
             <a:avLst/>
@@ -2538,8 +2548,8 @@
         </p:nvSpPr>
         <p:spPr>
           <a:xfrm>
-            <a:off x="2011680" y="27120433"/>
-            <a:ext cx="6583680" cy="1557867"/>
+            <a:off x="2263140" y="30510487"/>
+            <a:ext cx="7406640" cy="1752600"/>
           </a:xfrm>
           <a:prstGeom prst="rect">
             <a:avLst/>
@@ -2549,7 +2559,7 @@
           <a:bodyPr vert="horz" lIns="91440" tIns="45720" rIns="91440" bIns="45720" rtlCol="0" anchor="ctr"/>
           <a:lstStyle>
             <a:lvl1pPr algn="l">
-              <a:defRPr sz="3840">
+              <a:defRPr sz="4320">
                 <a:solidFill>
                   <a:schemeClr val="tx1">
                     <a:tint val="75000"/>
@@ -2561,7 +2571,7 @@
           <a:p>
             <a:fld id="{087369A9-209F-4DF6-9288-A4FD17034DBE}" type="datetimeFigureOut">
               <a:rPr lang="en-US" smtClean="0"/>
-              <a:t>6/11/2018</a:t>
+              <a:t>8/24/2018</a:t>
             </a:fld>
             <a:endParaRPr lang="en-US"/>
           </a:p>
@@ -2579,8 +2589,8 @@
         </p:nvSpPr>
         <p:spPr>
           <a:xfrm>
-            <a:off x="9692640" y="27120433"/>
-            <a:ext cx="9875520" cy="1557867"/>
+            <a:off x="10904220" y="30510487"/>
+            <a:ext cx="11109960" cy="1752600"/>
           </a:xfrm>
           <a:prstGeom prst="rect">
             <a:avLst/>
@@ -2590,7 +2600,7 @@
           <a:bodyPr vert="horz" lIns="91440" tIns="45720" rIns="91440" bIns="45720" rtlCol="0" anchor="ctr"/>
           <a:lstStyle>
             <a:lvl1pPr algn="ctr">
-              <a:defRPr sz="3840">
+              <a:defRPr sz="4320">
                 <a:solidFill>
                   <a:schemeClr val="tx1">
                     <a:tint val="75000"/>
@@ -2616,8 +2626,8 @@
         </p:nvSpPr>
         <p:spPr>
           <a:xfrm>
-            <a:off x="20665440" y="27120433"/>
-            <a:ext cx="6583680" cy="1557867"/>
+            <a:off x="23248620" y="30510487"/>
+            <a:ext cx="7406640" cy="1752600"/>
           </a:xfrm>
           <a:prstGeom prst="rect">
             <a:avLst/>
@@ -2627,7 +2637,7 @@
           <a:bodyPr vert="horz" lIns="91440" tIns="45720" rIns="91440" bIns="45720" rtlCol="0" anchor="ctr"/>
           <a:lstStyle>
             <a:lvl1pPr algn="r">
-              <a:defRPr sz="3840">
+              <a:defRPr sz="4320">
                 <a:solidFill>
                   <a:schemeClr val="tx1">
                     <a:tint val="75000"/>
@@ -2648,27 +2658,27 @@
     </p:spTree>
     <p:extLst>
       <p:ext uri="{BB962C8B-B14F-4D97-AF65-F5344CB8AC3E}">
-        <p14:creationId xmlns:p14="http://schemas.microsoft.com/office/powerpoint/2010/main" val="2782202400"/>
+        <p14:creationId xmlns:p14="http://schemas.microsoft.com/office/powerpoint/2010/main" val="4127133380"/>
       </p:ext>
     </p:extLst>
   </p:cSld>
   <p:clrMap bg1="lt1" tx1="dk1" bg2="lt2" tx2="dk2" accent1="accent1" accent2="accent2" accent3="accent3" accent4="accent4" accent5="accent5" accent6="accent6" hlink="hlink" folHlink="folHlink"/>
   <p:sldLayoutIdLst>
-    <p:sldLayoutId id="2147483661" r:id="rId1"/>
-    <p:sldLayoutId id="2147483662" r:id="rId2"/>
-    <p:sldLayoutId id="2147483663" r:id="rId3"/>
-    <p:sldLayoutId id="2147483664" r:id="rId4"/>
-    <p:sldLayoutId id="2147483665" r:id="rId5"/>
-    <p:sldLayoutId id="2147483666" r:id="rId6"/>
-    <p:sldLayoutId id="2147483667" r:id="rId7"/>
-    <p:sldLayoutId id="2147483668" r:id="rId8"/>
-    <p:sldLayoutId id="2147483669" r:id="rId9"/>
-    <p:sldLayoutId id="2147483670" r:id="rId10"/>
-    <p:sldLayoutId id="2147483671" r:id="rId11"/>
+    <p:sldLayoutId id="2147483673" r:id="rId1"/>
+    <p:sldLayoutId id="2147483674" r:id="rId2"/>
+    <p:sldLayoutId id="2147483675" r:id="rId3"/>
+    <p:sldLayoutId id="2147483676" r:id="rId4"/>
+    <p:sldLayoutId id="2147483677" r:id="rId5"/>
+    <p:sldLayoutId id="2147483678" r:id="rId6"/>
+    <p:sldLayoutId id="2147483679" r:id="rId7"/>
+    <p:sldLayoutId id="2147483680" r:id="rId8"/>
+    <p:sldLayoutId id="2147483681" r:id="rId9"/>
+    <p:sldLayoutId id="2147483682" r:id="rId10"/>
+    <p:sldLayoutId id="2147483683" r:id="rId11"/>
   </p:sldLayoutIdLst>
   <p:txStyles>
     <p:titleStyle>
-      <a:lvl1pPr algn="l" defTabSz="2926080" rtl="0" eaLnBrk="1" latinLnBrk="0" hangingPunct="1">
+      <a:lvl1pPr algn="l" defTabSz="3291840" rtl="0" eaLnBrk="1" latinLnBrk="0" hangingPunct="1">
         <a:lnSpc>
           <a:spcPct val="90000"/>
         </a:lnSpc>
@@ -2676,7 +2686,7 @@
           <a:spcPct val="0"/>
         </a:spcBef>
         <a:buNone/>
-        <a:defRPr sz="14080" kern="1200">
+        <a:defRPr sz="15840" kern="1200">
           <a:solidFill>
             <a:schemeClr val="tx1"/>
           </a:solidFill>
@@ -2687,16 +2697,16 @@
       </a:lvl1pPr>
     </p:titleStyle>
     <p:bodyStyle>
-      <a:lvl1pPr marL="731520" indent="-731520" algn="l" defTabSz="2926080" rtl="0" eaLnBrk="1" latinLnBrk="0" hangingPunct="1">
+      <a:lvl1pPr marL="822960" indent="-822960" algn="l" defTabSz="3291840" rtl="0" eaLnBrk="1" latinLnBrk="0" hangingPunct="1">
         <a:lnSpc>
           <a:spcPct val="90000"/>
         </a:lnSpc>
         <a:spcBef>
-          <a:spcPts val="3200"/>
+          <a:spcPts val="3600"/>
         </a:spcBef>
         <a:buFont typeface="Arial" panose="020B0604020202020204" pitchFamily="34" charset="0"/>
         <a:buChar char="•"/>
-        <a:defRPr sz="8960" kern="1200">
+        <a:defRPr sz="10080" kern="1200">
           <a:solidFill>
             <a:schemeClr val="tx1"/>
           </a:solidFill>
@@ -2705,16 +2715,16 @@
           <a:cs typeface="+mn-cs"/>
         </a:defRPr>
       </a:lvl1pPr>
-      <a:lvl2pPr marL="2194560" indent="-731520" algn="l" defTabSz="2926080" rtl="0" eaLnBrk="1" latinLnBrk="0" hangingPunct="1">
+      <a:lvl2pPr marL="2468880" indent="-822960" algn="l" defTabSz="3291840" rtl="0" eaLnBrk="1" latinLnBrk="0" hangingPunct="1">
         <a:lnSpc>
           <a:spcPct val="90000"/>
         </a:lnSpc>
         <a:spcBef>
-          <a:spcPts val="1600"/>
+          <a:spcPts val="1800"/>
         </a:spcBef>
         <a:buFont typeface="Arial" panose="020B0604020202020204" pitchFamily="34" charset="0"/>
         <a:buChar char="•"/>
-        <a:defRPr sz="7680" kern="1200">
+        <a:defRPr sz="8640" kern="1200">
           <a:solidFill>
             <a:schemeClr val="tx1"/>
           </a:solidFill>
@@ -2723,16 +2733,16 @@
           <a:cs typeface="+mn-cs"/>
         </a:defRPr>
       </a:lvl2pPr>
-      <a:lvl3pPr marL="3657600" indent="-731520" algn="l" defTabSz="2926080" rtl="0" eaLnBrk="1" latinLnBrk="0" hangingPunct="1">
+      <a:lvl3pPr marL="4114800" indent="-822960" algn="l" defTabSz="3291840" rtl="0" eaLnBrk="1" latinLnBrk="0" hangingPunct="1">
         <a:lnSpc>
           <a:spcPct val="90000"/>
         </a:lnSpc>
         <a:spcBef>
-          <a:spcPts val="1600"/>
+          <a:spcPts val="1800"/>
         </a:spcBef>
         <a:buFont typeface="Arial" panose="020B0604020202020204" pitchFamily="34" charset="0"/>
         <a:buChar char="•"/>
-        <a:defRPr sz="6400" kern="1200">
+        <a:defRPr sz="7200" kern="1200">
           <a:solidFill>
             <a:schemeClr val="tx1"/>
           </a:solidFill>
@@ -2741,16 +2751,16 @@
           <a:cs typeface="+mn-cs"/>
         </a:defRPr>
       </a:lvl3pPr>
-      <a:lvl4pPr marL="5120640" indent="-731520" algn="l" defTabSz="2926080" rtl="0" eaLnBrk="1" latinLnBrk="0" hangingPunct="1">
+      <a:lvl4pPr marL="5760720" indent="-822960" algn="l" defTabSz="3291840" rtl="0" eaLnBrk="1" latinLnBrk="0" hangingPunct="1">
         <a:lnSpc>
           <a:spcPct val="90000"/>
         </a:lnSpc>
         <a:spcBef>
-          <a:spcPts val="1600"/>
+          <a:spcPts val="1800"/>
         </a:spcBef>
         <a:buFont typeface="Arial" panose="020B0604020202020204" pitchFamily="34" charset="0"/>
         <a:buChar char="•"/>
-        <a:defRPr sz="5760" kern="1200">
+        <a:defRPr sz="6480" kern="1200">
           <a:solidFill>
             <a:schemeClr val="tx1"/>
           </a:solidFill>
@@ -2759,16 +2769,16 @@
           <a:cs typeface="+mn-cs"/>
         </a:defRPr>
       </a:lvl4pPr>
-      <a:lvl5pPr marL="6583680" indent="-731520" algn="l" defTabSz="2926080" rtl="0" eaLnBrk="1" latinLnBrk="0" hangingPunct="1">
+      <a:lvl5pPr marL="7406640" indent="-822960" algn="l" defTabSz="3291840" rtl="0" eaLnBrk="1" latinLnBrk="0" hangingPunct="1">
         <a:lnSpc>
           <a:spcPct val="90000"/>
         </a:lnSpc>
         <a:spcBef>
-          <a:spcPts val="1600"/>
+          <a:spcPts val="1800"/>
         </a:spcBef>
         <a:buFont typeface="Arial" panose="020B0604020202020204" pitchFamily="34" charset="0"/>
         <a:buChar char="•"/>
-        <a:defRPr sz="5760" kern="1200">
+        <a:defRPr sz="6480" kern="1200">
           <a:solidFill>
             <a:schemeClr val="tx1"/>
           </a:solidFill>
@@ -2777,16 +2787,16 @@
           <a:cs typeface="+mn-cs"/>
         </a:defRPr>
       </a:lvl5pPr>
-      <a:lvl6pPr marL="8046720" indent="-731520" algn="l" defTabSz="2926080" rtl="0" eaLnBrk="1" latinLnBrk="0" hangingPunct="1">
+      <a:lvl6pPr marL="9052560" indent="-822960" algn="l" defTabSz="3291840" rtl="0" eaLnBrk="1" latinLnBrk="0" hangingPunct="1">
         <a:lnSpc>
           <a:spcPct val="90000"/>
         </a:lnSpc>
         <a:spcBef>
-          <a:spcPts val="1600"/>
+          <a:spcPts val="1800"/>
         </a:spcBef>
         <a:buFont typeface="Arial" panose="020B0604020202020204" pitchFamily="34" charset="0"/>
         <a:buChar char="•"/>
-        <a:defRPr sz="5760" kern="1200">
+        <a:defRPr sz="6480" kern="1200">
           <a:solidFill>
             <a:schemeClr val="tx1"/>
           </a:solidFill>
@@ -2795,16 +2805,16 @@
           <a:cs typeface="+mn-cs"/>
         </a:defRPr>
       </a:lvl6pPr>
-      <a:lvl7pPr marL="9509760" indent="-731520" algn="l" defTabSz="2926080" rtl="0" eaLnBrk="1" latinLnBrk="0" hangingPunct="1">
+      <a:lvl7pPr marL="10698480" indent="-822960" algn="l" defTabSz="3291840" rtl="0" eaLnBrk="1" latinLnBrk="0" hangingPunct="1">
         <a:lnSpc>
           <a:spcPct val="90000"/>
         </a:lnSpc>
         <a:spcBef>
-          <a:spcPts val="1600"/>
+          <a:spcPts val="1800"/>
         </a:spcBef>
         <a:buFont typeface="Arial" panose="020B0604020202020204" pitchFamily="34" charset="0"/>
         <a:buChar char="•"/>
-        <a:defRPr sz="5760" kern="1200">
+        <a:defRPr sz="6480" kern="1200">
           <a:solidFill>
             <a:schemeClr val="tx1"/>
           </a:solidFill>
@@ -2813,16 +2823,16 @@
           <a:cs typeface="+mn-cs"/>
         </a:defRPr>
       </a:lvl7pPr>
-      <a:lvl8pPr marL="10972800" indent="-731520" algn="l" defTabSz="2926080" rtl="0" eaLnBrk="1" latinLnBrk="0" hangingPunct="1">
+      <a:lvl8pPr marL="12344400" indent="-822960" algn="l" defTabSz="3291840" rtl="0" eaLnBrk="1" latinLnBrk="0" hangingPunct="1">
         <a:lnSpc>
           <a:spcPct val="90000"/>
         </a:lnSpc>
         <a:spcBef>
-          <a:spcPts val="1600"/>
+          <a:spcPts val="1800"/>
         </a:spcBef>
         <a:buFont typeface="Arial" panose="020B0604020202020204" pitchFamily="34" charset="0"/>
         <a:buChar char="•"/>
-        <a:defRPr sz="5760" kern="1200">
+        <a:defRPr sz="6480" kern="1200">
           <a:solidFill>
             <a:schemeClr val="tx1"/>
           </a:solidFill>
@@ -2831,16 +2841,16 @@
           <a:cs typeface="+mn-cs"/>
         </a:defRPr>
       </a:lvl8pPr>
-      <a:lvl9pPr marL="12435840" indent="-731520" algn="l" defTabSz="2926080" rtl="0" eaLnBrk="1" latinLnBrk="0" hangingPunct="1">
+      <a:lvl9pPr marL="13990320" indent="-822960" algn="l" defTabSz="3291840" rtl="0" eaLnBrk="1" latinLnBrk="0" hangingPunct="1">
         <a:lnSpc>
           <a:spcPct val="90000"/>
         </a:lnSpc>
         <a:spcBef>
-          <a:spcPts val="1600"/>
+          <a:spcPts val="1800"/>
         </a:spcBef>
         <a:buFont typeface="Arial" panose="020B0604020202020204" pitchFamily="34" charset="0"/>
         <a:buChar char="•"/>
-        <a:defRPr sz="5760" kern="1200">
+        <a:defRPr sz="6480" kern="1200">
           <a:solidFill>
             <a:schemeClr val="tx1"/>
           </a:solidFill>
@@ -2854,8 +2864,8 @@
       <a:defPPr>
         <a:defRPr lang="en-US"/>
       </a:defPPr>
-      <a:lvl1pPr marL="0" algn="l" defTabSz="2926080" rtl="0" eaLnBrk="1" latinLnBrk="0" hangingPunct="1">
-        <a:defRPr sz="5760" kern="1200">
+      <a:lvl1pPr marL="0" algn="l" defTabSz="3291840" rtl="0" eaLnBrk="1" latinLnBrk="0" hangingPunct="1">
+        <a:defRPr sz="6480" kern="1200">
           <a:solidFill>
             <a:schemeClr val="tx1"/>
           </a:solidFill>
@@ -2864,8 +2874,8 @@
           <a:cs typeface="+mn-cs"/>
         </a:defRPr>
       </a:lvl1pPr>
-      <a:lvl2pPr marL="1463040" algn="l" defTabSz="2926080" rtl="0" eaLnBrk="1" latinLnBrk="0" hangingPunct="1">
-        <a:defRPr sz="5760" kern="1200">
+      <a:lvl2pPr marL="1645920" algn="l" defTabSz="3291840" rtl="0" eaLnBrk="1" latinLnBrk="0" hangingPunct="1">
+        <a:defRPr sz="6480" kern="1200">
           <a:solidFill>
             <a:schemeClr val="tx1"/>
           </a:solidFill>
@@ -2874,8 +2884,8 @@
           <a:cs typeface="+mn-cs"/>
         </a:defRPr>
       </a:lvl2pPr>
-      <a:lvl3pPr marL="2926080" algn="l" defTabSz="2926080" rtl="0" eaLnBrk="1" latinLnBrk="0" hangingPunct="1">
-        <a:defRPr sz="5760" kern="1200">
+      <a:lvl3pPr marL="3291840" algn="l" defTabSz="3291840" rtl="0" eaLnBrk="1" latinLnBrk="0" hangingPunct="1">
+        <a:defRPr sz="6480" kern="1200">
           <a:solidFill>
             <a:schemeClr val="tx1"/>
           </a:solidFill>
@@ -2884,8 +2894,8 @@
           <a:cs typeface="+mn-cs"/>
         </a:defRPr>
       </a:lvl3pPr>
-      <a:lvl4pPr marL="4389120" algn="l" defTabSz="2926080" rtl="0" eaLnBrk="1" latinLnBrk="0" hangingPunct="1">
-        <a:defRPr sz="5760" kern="1200">
+      <a:lvl4pPr marL="4937760" algn="l" defTabSz="3291840" rtl="0" eaLnBrk="1" latinLnBrk="0" hangingPunct="1">
+        <a:defRPr sz="6480" kern="1200">
           <a:solidFill>
             <a:schemeClr val="tx1"/>
           </a:solidFill>
@@ -2894,8 +2904,8 @@
           <a:cs typeface="+mn-cs"/>
         </a:defRPr>
       </a:lvl4pPr>
-      <a:lvl5pPr marL="5852160" algn="l" defTabSz="2926080" rtl="0" eaLnBrk="1" latinLnBrk="0" hangingPunct="1">
-        <a:defRPr sz="5760" kern="1200">
+      <a:lvl5pPr marL="6583680" algn="l" defTabSz="3291840" rtl="0" eaLnBrk="1" latinLnBrk="0" hangingPunct="1">
+        <a:defRPr sz="6480" kern="1200">
           <a:solidFill>
             <a:schemeClr val="tx1"/>
           </a:solidFill>
@@ -2904,8 +2914,8 @@
           <a:cs typeface="+mn-cs"/>
         </a:defRPr>
       </a:lvl5pPr>
-      <a:lvl6pPr marL="7315200" algn="l" defTabSz="2926080" rtl="0" eaLnBrk="1" latinLnBrk="0" hangingPunct="1">
-        <a:defRPr sz="5760" kern="1200">
+      <a:lvl6pPr marL="8229600" algn="l" defTabSz="3291840" rtl="0" eaLnBrk="1" latinLnBrk="0" hangingPunct="1">
+        <a:defRPr sz="6480" kern="1200">
           <a:solidFill>
             <a:schemeClr val="tx1"/>
           </a:solidFill>
@@ -2914,8 +2924,8 @@
           <a:cs typeface="+mn-cs"/>
         </a:defRPr>
       </a:lvl6pPr>
-      <a:lvl7pPr marL="8778240" algn="l" defTabSz="2926080" rtl="0" eaLnBrk="1" latinLnBrk="0" hangingPunct="1">
-        <a:defRPr sz="5760" kern="1200">
+      <a:lvl7pPr marL="9875520" algn="l" defTabSz="3291840" rtl="0" eaLnBrk="1" latinLnBrk="0" hangingPunct="1">
+        <a:defRPr sz="6480" kern="1200">
           <a:solidFill>
             <a:schemeClr val="tx1"/>
           </a:solidFill>
@@ -2924,8 +2934,8 @@
           <a:cs typeface="+mn-cs"/>
         </a:defRPr>
       </a:lvl7pPr>
-      <a:lvl8pPr marL="10241280" algn="l" defTabSz="2926080" rtl="0" eaLnBrk="1" latinLnBrk="0" hangingPunct="1">
-        <a:defRPr sz="5760" kern="1200">
+      <a:lvl8pPr marL="11521440" algn="l" defTabSz="3291840" rtl="0" eaLnBrk="1" latinLnBrk="0" hangingPunct="1">
+        <a:defRPr sz="6480" kern="1200">
           <a:solidFill>
             <a:schemeClr val="tx1"/>
           </a:solidFill>
@@ -2934,8 +2944,8 @@
           <a:cs typeface="+mn-cs"/>
         </a:defRPr>
       </a:lvl8pPr>
-      <a:lvl9pPr marL="11704320" algn="l" defTabSz="2926080" rtl="0" eaLnBrk="1" latinLnBrk="0" hangingPunct="1">
-        <a:defRPr sz="5760" kern="1200">
+      <a:lvl9pPr marL="13167360" algn="l" defTabSz="3291840" rtl="0" eaLnBrk="1" latinLnBrk="0" hangingPunct="1">
+        <a:defRPr sz="6480" kern="1200">
           <a:solidFill>
             <a:schemeClr val="tx1"/>
           </a:solidFill>
@@ -3020,8 +3030,8 @@
         </p:blipFill>
         <p:spPr>
           <a:xfrm rot="5400000">
-            <a:off x="38380" y="383648"/>
-            <a:ext cx="29285146" cy="28517850"/>
+            <a:off x="43179" y="431604"/>
+            <a:ext cx="32945789" cy="32082581"/>
           </a:xfrm>
           <a:prstGeom prst="rect">
             <a:avLst/>
@@ -3033,6 +3043,159 @@
     <p:extLst>
       <p:ext uri="{BB962C8B-B14F-4D97-AF65-F5344CB8AC3E}">
         <p14:creationId xmlns:p14="http://schemas.microsoft.com/office/powerpoint/2010/main" val="1423292352"/>
+      </p:ext>
+    </p:extLst>
+  </p:cSld>
+  <p:clrMapOvr>
+    <a:masterClrMapping/>
+  </p:clrMapOvr>
+</p:sld>
+</file>
+
+<file path=ppt/slides/slide2.xml><?xml version="1.0" encoding="utf-8"?>
+<p:sld xmlns:a="http://schemas.openxmlformats.org/drawingml/2006/main" xmlns:r="http://schemas.openxmlformats.org/officeDocument/2006/relationships" xmlns:p="http://schemas.openxmlformats.org/presentationml/2006/main">
+  <p:cSld>
+    <p:spTree>
+      <p:nvGrpSpPr>
+        <p:cNvPr id="1" name=""/>
+        <p:cNvGrpSpPr/>
+        <p:nvPr/>
+      </p:nvGrpSpPr>
+      <p:grpSpPr>
+        <a:xfrm>
+          <a:off x="0" y="0"/>
+          <a:ext cx="0" cy="0"/>
+          <a:chOff x="0" y="0"/>
+          <a:chExt cx="0" cy="0"/>
+        </a:xfrm>
+      </p:grpSpPr>
+      <p:grpSp>
+        <p:nvGrpSpPr>
+          <p:cNvPr id="5" name="Group 4">
+            <a:extLst>
+              <a:ext uri="{FF2B5EF4-FFF2-40B4-BE49-F238E27FC236}">
+                <a16:creationId xmlns:a16="http://schemas.microsoft.com/office/drawing/2014/main" id="{6D029FCE-39F4-4421-925B-48483E66FB25}"/>
+              </a:ext>
+            </a:extLst>
+          </p:cNvPr>
+          <p:cNvGrpSpPr/>
+          <p:nvPr/>
+        </p:nvGrpSpPr>
+        <p:grpSpPr>
+          <a:xfrm rot="157748">
+            <a:off x="-339455" y="-5984801"/>
+            <a:ext cx="33558468" cy="45387522"/>
+            <a:chOff x="-880524" y="-6716592"/>
+            <a:chExt cx="34640605" cy="46851103"/>
+          </a:xfrm>
+        </p:grpSpPr>
+        <p:pic>
+          <p:nvPicPr>
+            <p:cNvPr id="3" name="Picture 2">
+              <a:extLst>
+                <a:ext uri="{FF2B5EF4-FFF2-40B4-BE49-F238E27FC236}">
+                  <a16:creationId xmlns:a16="http://schemas.microsoft.com/office/drawing/2014/main" id="{E5292812-7084-40DA-80A7-326BA07F224E}"/>
+                </a:ext>
+              </a:extLst>
+            </p:cNvPr>
+            <p:cNvPicPr>
+              <a:picLocks noChangeAspect="1"/>
+            </p:cNvPicPr>
+            <p:nvPr/>
+          </p:nvPicPr>
+          <p:blipFill rotWithShape="1">
+            <a:blip r:embed="rId2">
+              <a:extLst>
+                <a:ext uri="{BEBA8EAE-BF5A-486C-A8C5-ECC9F3942E4B}">
+                  <a14:imgProps xmlns:a14="http://schemas.microsoft.com/office/drawing/2010/main">
+                    <a14:imgLayer r:embed="rId3">
+                      <a14:imgEffect>
+                        <a14:backgroundRemoval t="9984" b="89976" l="9501" r="91358">
+                          <a14:foregroundMark x1="9554" y1="31039" x2="9554" y2="31039"/>
+                          <a14:foregroundMark x1="91358" y1="35225" x2="91358" y2="35225"/>
+                          <a14:backgroundMark x1="75953" y1="55515" x2="75953" y2="55515"/>
+                          <a14:backgroundMark x1="75470" y1="59944" x2="75470" y2="59944"/>
+                          <a14:backgroundMark x1="74987" y1="67874" x2="74987" y2="67874"/>
+                          <a14:backgroundMark x1="74718" y1="74557" x2="74718" y2="74557"/>
+                        </a14:backgroundRemoval>
+                      </a14:imgEffect>
+                    </a14:imgLayer>
+                  </a14:imgProps>
+                </a:ext>
+                <a:ext uri="{28A0092B-C50C-407E-A947-70E740481C1C}">
+                  <a14:useLocalDpi xmlns:a14="http://schemas.microsoft.com/office/drawing/2010/main" val="0"/>
+                </a:ext>
+              </a:extLst>
+            </a:blip>
+            <a:srcRect r="41175"/>
+            <a:stretch/>
+          </p:blipFill>
+          <p:spPr>
+            <a:xfrm rot="21345102">
+              <a:off x="-880524" y="-6157123"/>
+              <a:ext cx="20423303" cy="46291634"/>
+            </a:xfrm>
+            <a:prstGeom prst="rect">
+              <a:avLst/>
+            </a:prstGeom>
+          </p:spPr>
+        </p:pic>
+        <p:pic>
+          <p:nvPicPr>
+            <p:cNvPr id="4" name="Picture 3">
+              <a:extLst>
+                <a:ext uri="{FF2B5EF4-FFF2-40B4-BE49-F238E27FC236}">
+                  <a16:creationId xmlns:a16="http://schemas.microsoft.com/office/drawing/2014/main" id="{9DEA3A8C-C172-4BD8-9DF8-9E3981B78501}"/>
+                </a:ext>
+              </a:extLst>
+            </p:cNvPr>
+            <p:cNvPicPr>
+              <a:picLocks noChangeAspect="1"/>
+            </p:cNvPicPr>
+            <p:nvPr/>
+          </p:nvPicPr>
+          <p:blipFill rotWithShape="1">
+            <a:blip r:embed="rId2">
+              <a:extLst>
+                <a:ext uri="{BEBA8EAE-BF5A-486C-A8C5-ECC9F3942E4B}">
+                  <a14:imgProps xmlns:a14="http://schemas.microsoft.com/office/drawing/2010/main">
+                    <a14:imgLayer r:embed="rId3">
+                      <a14:imgEffect>
+                        <a14:backgroundRemoval t="9984" b="89976" l="9501" r="91358">
+                          <a14:foregroundMark x1="9554" y1="31039" x2="9554" y2="31039"/>
+                          <a14:foregroundMark x1="91358" y1="35225" x2="91358" y2="35225"/>
+                          <a14:backgroundMark x1="75953" y1="55515" x2="75953" y2="55515"/>
+                          <a14:backgroundMark x1="75470" y1="59944" x2="75470" y2="59944"/>
+                          <a14:backgroundMark x1="74987" y1="67874" x2="74987" y2="67874"/>
+                          <a14:backgroundMark x1="74718" y1="74557" x2="74718" y2="74557"/>
+                        </a14:backgroundRemoval>
+                      </a14:imgEffect>
+                    </a14:imgLayer>
+                  </a14:imgProps>
+                </a:ext>
+                <a:ext uri="{28A0092B-C50C-407E-A947-70E740481C1C}">
+                  <a14:useLocalDpi xmlns:a14="http://schemas.microsoft.com/office/drawing/2010/main" val="0"/>
+                </a:ext>
+              </a:extLst>
+            </a:blip>
+            <a:srcRect r="49169"/>
+            <a:stretch/>
+          </p:blipFill>
+          <p:spPr>
+            <a:xfrm flipH="1">
+              <a:off x="16112261" y="-6716592"/>
+              <a:ext cx="17647820" cy="46291634"/>
+            </a:xfrm>
+            <a:prstGeom prst="rect">
+              <a:avLst/>
+            </a:prstGeom>
+          </p:spPr>
+        </p:pic>
+      </p:grpSp>
+    </p:spTree>
+    <p:extLst>
+      <p:ext uri="{BB962C8B-B14F-4D97-AF65-F5344CB8AC3E}">
+        <p14:creationId xmlns:p14="http://schemas.microsoft.com/office/powerpoint/2010/main" val="1535262860"/>
       </p:ext>
     </p:extLst>
   </p:cSld>
